--- a/slide/ค่ายทักษะคอมพิวเตอร์.pptx
+++ b/slide/ค่ายทักษะคอมพิวเตอร์.pptx
@@ -7663,8 +7663,8 @@
         </p:nvSpPr>
         <p:spPr>
           <a:xfrm>
-            <a:off x="1520076" y="1288455"/>
-            <a:ext cx="10020300" cy="2554545"/>
+            <a:off x="1155123" y="1498074"/>
+            <a:ext cx="10020300" cy="3170099"/>
           </a:xfrm>
           <a:prstGeom prst="rect">
             <a:avLst/>
@@ -7684,57 +7684,57 @@
                 <a:latin typeface="TH SarabunPSK" panose="020B0500040200020003" pitchFamily="34" charset="-34"/>
                 <a:cs typeface="TH SarabunPSK" panose="020B0500040200020003" pitchFamily="34" charset="-34"/>
               </a:rPr>
-              <a:t>เปิดโปรแกรม </a:t>
-            </a:r>
-            <a:r>
-              <a:rPr lang="en-US" sz="4000" b="1" dirty="0">
-                <a:solidFill>
-                  <a:srgbClr val="002060"/>
-                </a:solidFill>
-                <a:latin typeface="TH Sarabun New" panose="020B0500040200020003" pitchFamily="34" charset="-34"/>
-                <a:cs typeface="TH Sarabun New" panose="020B0500040200020003" pitchFamily="34" charset="-34"/>
-              </a:rPr>
-              <a:t>Sublime Text</a:t>
-            </a:r>
-            <a:r>
-              <a:rPr lang="en-US" sz="4000" b="1" dirty="0" smtClean="0">
+              <a:t>	เปิด</a:t>
+            </a:r>
+            <a:r>
+              <a:rPr lang="th-TH" sz="4000" b="1" dirty="0" smtClean="0">
                 <a:solidFill>
                   <a:srgbClr val="002060"/>
                 </a:solidFill>
                 <a:latin typeface="TH SarabunPSK" panose="020B0500040200020003" pitchFamily="34" charset="-34"/>
                 <a:cs typeface="TH SarabunPSK" panose="020B0500040200020003" pitchFamily="34" charset="-34"/>
               </a:rPr>
-              <a:t> </a:t>
-            </a:r>
-            <a:r>
-              <a:rPr lang="th-TH" sz="4000" b="1" dirty="0" smtClean="0">
+              <a:t>โปรแกรม </a:t>
+            </a:r>
+            <a:r>
+              <a:rPr lang="en-US" sz="4000" b="1" dirty="0">
+                <a:solidFill>
+                  <a:srgbClr val="002060"/>
+                </a:solidFill>
+                <a:latin typeface="TH Sarabun New" panose="020B0500040200020003" pitchFamily="34" charset="-34"/>
+                <a:cs typeface="TH Sarabun New" panose="020B0500040200020003" pitchFamily="34" charset="-34"/>
+              </a:rPr>
+              <a:t>Sublime Text</a:t>
+            </a:r>
+            <a:r>
+              <a:rPr lang="en-US" sz="4000" b="1" dirty="0" smtClean="0">
                 <a:solidFill>
                   <a:srgbClr val="002060"/>
                 </a:solidFill>
                 <a:latin typeface="TH SarabunPSK" panose="020B0500040200020003" pitchFamily="34" charset="-34"/>
                 <a:cs typeface="TH SarabunPSK" panose="020B0500040200020003" pitchFamily="34" charset="-34"/>
               </a:rPr>
-              <a:t>และเลือก </a:t>
-            </a:r>
-            <a:r>
-              <a:rPr lang="en-US" sz="4000" b="1" dirty="0" smtClean="0">
+              <a:t> </a:t>
+            </a:r>
+            <a:r>
+              <a:rPr lang="th-TH" sz="4000" b="1" dirty="0" smtClean="0">
                 <a:solidFill>
                   <a:srgbClr val="002060"/>
                 </a:solidFill>
                 <a:latin typeface="TH SarabunPSK" panose="020B0500040200020003" pitchFamily="34" charset="-34"/>
                 <a:cs typeface="TH SarabunPSK" panose="020B0500040200020003" pitchFamily="34" charset="-34"/>
               </a:rPr>
-              <a:t>New &gt;other&gt;</a:t>
-            </a:r>
-            <a:r>
-              <a:rPr lang="en-US" sz="4000" b="1" dirty="0" err="1" smtClean="0">
+              <a:t>และเลือก </a:t>
+            </a:r>
+            <a:r>
+              <a:rPr lang="en-US" sz="4000" b="1" dirty="0" smtClean="0">
                 <a:solidFill>
                   <a:srgbClr val="002060"/>
                 </a:solidFill>
                 <a:latin typeface="TH SarabunPSK" panose="020B0500040200020003" pitchFamily="34" charset="-34"/>
                 <a:cs typeface="TH SarabunPSK" panose="020B0500040200020003" pitchFamily="34" charset="-34"/>
               </a:rPr>
-              <a:t>php</a:t>
+              <a:t>New &gt;</a:t>
             </a:r>
             <a:r>
               <a:rPr lang="en-US" sz="4000" b="1" dirty="0" smtClean="0">
@@ -7744,56 +7744,77 @@
                 <a:latin typeface="TH SarabunPSK" panose="020B0500040200020003" pitchFamily="34" charset="-34"/>
                 <a:cs typeface="TH SarabunPSK" panose="020B0500040200020003" pitchFamily="34" charset="-34"/>
               </a:rPr>
-              <a:t> </a:t>
-            </a:r>
-            <a:r>
-              <a:rPr lang="th-TH" sz="4000" b="1" dirty="0" smtClean="0">
+              <a:t>other&gt;</a:t>
+            </a:r>
+            <a:r>
+              <a:rPr lang="en-US" sz="4000" b="1" dirty="0" err="1" smtClean="0">
                 <a:solidFill>
                   <a:srgbClr val="002060"/>
                 </a:solidFill>
                 <a:latin typeface="TH SarabunPSK" panose="020B0500040200020003" pitchFamily="34" charset="-34"/>
                 <a:cs typeface="TH SarabunPSK" panose="020B0500040200020003" pitchFamily="34" charset="-34"/>
               </a:rPr>
-              <a:t>ตั้งชื่อว่า</a:t>
-            </a:r>
-            <a:br>
-              <a:rPr lang="th-TH" sz="4000" b="1" dirty="0" smtClean="0">
+              <a:t>php</a:t>
+            </a:r>
+            <a:r>
+              <a:rPr lang="en-US" sz="4000" b="1" dirty="0" smtClean="0">
                 <a:solidFill>
                   <a:srgbClr val="002060"/>
                 </a:solidFill>
                 <a:latin typeface="TH SarabunPSK" panose="020B0500040200020003" pitchFamily="34" charset="-34"/>
                 <a:cs typeface="TH SarabunPSK" panose="020B0500040200020003" pitchFamily="34" charset="-34"/>
               </a:rPr>
-            </a:br>
-            <a:r>
-              <a:rPr lang="en-US" sz="4000" b="1" dirty="0" err="1" smtClean="0">
+              <a:t> </a:t>
+            </a:r>
+            <a:r>
+              <a:rPr lang="th-TH" sz="4000" b="1" dirty="0" smtClean="0">
                 <a:solidFill>
                   <a:srgbClr val="002060"/>
                 </a:solidFill>
                 <a:latin typeface="TH SarabunPSK" panose="020B0500040200020003" pitchFamily="34" charset="-34"/>
                 <a:cs typeface="TH SarabunPSK" panose="020B0500040200020003" pitchFamily="34" charset="-34"/>
               </a:rPr>
-              <a:t>listing_student.php</a:t>
-            </a:r>
-            <a:r>
-              <a:rPr lang="en-US" sz="4000" b="1" dirty="0" smtClean="0">
+              <a:t>ตั้งชื่อ</a:t>
+            </a:r>
+            <a:r>
+              <a:rPr lang="th-TH" sz="4000" b="1" dirty="0" smtClean="0">
                 <a:solidFill>
                   <a:srgbClr val="002060"/>
                 </a:solidFill>
                 <a:latin typeface="TH SarabunPSK" panose="020B0500040200020003" pitchFamily="34" charset="-34"/>
                 <a:cs typeface="TH SarabunPSK" panose="020B0500040200020003" pitchFamily="34" charset="-34"/>
               </a:rPr>
-              <a:t>  save</a:t>
-            </a:r>
-            <a:r>
-              <a:rPr lang="th-TH" sz="4000" b="1" dirty="0" smtClean="0">
+              <a:t>ว่า</a:t>
+            </a:r>
+            <a:r>
+              <a:rPr lang="en-US" sz="4000" b="1" dirty="0" smtClean="0">
                 <a:solidFill>
                   <a:srgbClr val="002060"/>
                 </a:solidFill>
                 <a:latin typeface="TH SarabunPSK" panose="020B0500040200020003" pitchFamily="34" charset="-34"/>
                 <a:cs typeface="TH SarabunPSK" panose="020B0500040200020003" pitchFamily="34" charset="-34"/>
               </a:rPr>
-              <a:t>ที่</a:t>
+              <a:t> </a:t>
+            </a:r>
+            <a:r>
+              <a:rPr lang="en-US" sz="4000" b="1" dirty="0" err="1" smtClean="0">
+                <a:solidFill>
+                  <a:srgbClr val="002060"/>
+                </a:solidFill>
+                <a:latin typeface="TH Sarabun New" panose="020B0500040200020003" pitchFamily="34" charset="-34"/>
+                <a:cs typeface="TH Sarabun New" panose="020B0500040200020003" pitchFamily="34" charset="-34"/>
+              </a:rPr>
+              <a:t>emp_info</a:t>
+            </a:r>
+            <a:r>
+              <a:rPr lang="en-US" sz="4000" b="1" dirty="0" err="1" smtClean="0">
+                <a:solidFill>
+                  <a:srgbClr val="002060"/>
+                </a:solidFill>
+                <a:latin typeface="TH Sarabun New" panose="020B0500040200020003" pitchFamily="34" charset="-34"/>
+                <a:cs typeface="TH Sarabun New" panose="020B0500040200020003" pitchFamily="34" charset="-34"/>
+              </a:rPr>
+              <a:t>.php</a:t>
             </a:r>
             <a:r>
               <a:rPr lang="en-US" sz="4000" b="1" dirty="0" smtClean="0">
@@ -7803,8 +7824,44 @@
                 <a:latin typeface="TH SarabunPSK" panose="020B0500040200020003" pitchFamily="34" charset="-34"/>
                 <a:cs typeface="TH SarabunPSK" panose="020B0500040200020003" pitchFamily="34" charset="-34"/>
               </a:rPr>
-              <a:t>test</a:t>
-            </a:r>
+              <a:t>  </a:t>
+            </a:r>
+            <a:r>
+              <a:rPr lang="th-TH" sz="4000" b="1" dirty="0">
+                <a:solidFill>
+                  <a:srgbClr val="002060"/>
+                </a:solidFill>
+                <a:latin typeface="TH Sarabun New" panose="020B0500040200020003" pitchFamily="34" charset="-34"/>
+                <a:cs typeface="TH Sarabun New" panose="020B0500040200020003" pitchFamily="34" charset="-34"/>
+              </a:rPr>
+              <a:t>เพื่อทำการค้นหาข้อมูล</a:t>
+            </a:r>
+            <a:r>
+              <a:rPr lang="th-TH" sz="4000" b="1" dirty="0" smtClean="0">
+                <a:solidFill>
+                  <a:srgbClr val="002060"/>
+                </a:solidFill>
+                <a:latin typeface="TH Sarabun New" panose="020B0500040200020003" pitchFamily="34" charset="-34"/>
+                <a:cs typeface="TH Sarabun New" panose="020B0500040200020003" pitchFamily="34" charset="-34"/>
+              </a:rPr>
+              <a:t>พนักงานทั้งหมด</a:t>
+            </a:r>
+            <a:endParaRPr lang="th-TH" sz="4000" b="1" dirty="0">
+              <a:solidFill>
+                <a:srgbClr val="002060"/>
+              </a:solidFill>
+              <a:latin typeface="TH Sarabun New" panose="020B0500040200020003" pitchFamily="34" charset="-34"/>
+              <a:cs typeface="TH Sarabun New" panose="020B0500040200020003" pitchFamily="34" charset="-34"/>
+            </a:endParaRPr>
+          </a:p>
+          <a:p>
+            <a:endParaRPr lang="en-US" sz="4000" b="1" dirty="0" smtClean="0">
+              <a:solidFill>
+                <a:srgbClr val="002060"/>
+              </a:solidFill>
+              <a:latin typeface="TH SarabunPSK" panose="020B0500040200020003" pitchFamily="34" charset="-34"/>
+              <a:cs typeface="TH SarabunPSK" panose="020B0500040200020003" pitchFamily="34" charset="-34"/>
+            </a:endParaRPr>
           </a:p>
           <a:p>
             <a:r>
@@ -7863,70 +7920,6 @@
               <a:t>21</a:t>
             </a:r>
             <a:endParaRPr lang="th-TH" dirty="0"/>
-          </a:p>
-        </p:txBody>
-      </p:sp>
-      <p:sp>
-        <p:nvSpPr>
-          <p:cNvPr id="11" name="สี่เหลี่ยมผืนผ้า 10"/>
-          <p:cNvSpPr/>
-          <p:nvPr/>
-        </p:nvSpPr>
-        <p:spPr>
-          <a:xfrm>
-            <a:off x="1409239" y="3442891"/>
-            <a:ext cx="9702106" cy="1323439"/>
-          </a:xfrm>
-          <a:prstGeom prst="rect">
-            <a:avLst/>
-          </a:prstGeom>
-        </p:spPr>
-        <p:txBody>
-          <a:bodyPr wrap="square">
-            <a:spAutoFit/>
-          </a:bodyPr>
-          <a:lstStyle/>
-          <a:p>
-            <a:r>
-              <a:rPr lang="th-TH" sz="4000" b="1" dirty="0">
-                <a:solidFill>
-                  <a:srgbClr val="002060"/>
-                </a:solidFill>
-                <a:latin typeface="TH Sarabun New" panose="020B0500040200020003" pitchFamily="34" charset="-34"/>
-                <a:cs typeface="TH Sarabun New" panose="020B0500040200020003" pitchFamily="34" charset="-34"/>
-              </a:rPr>
-              <a:t>จงสร้างแฟ้มชื่อว่า </a:t>
-            </a:r>
-            <a:r>
-              <a:rPr lang="en-US" sz="4000" b="1" dirty="0" err="1">
-                <a:solidFill>
-                  <a:srgbClr val="002060"/>
-                </a:solidFill>
-                <a:latin typeface="TH Sarabun New" panose="020B0500040200020003" pitchFamily="34" charset="-34"/>
-                <a:cs typeface="TH Sarabun New" panose="020B0500040200020003" pitchFamily="34" charset="-34"/>
-              </a:rPr>
-              <a:t>work_hours.php</a:t>
-            </a:r>
-            <a:r>
-              <a:rPr lang="en-US" sz="4000" b="1" dirty="0">
-                <a:solidFill>
-                  <a:srgbClr val="002060"/>
-                </a:solidFill>
-                <a:latin typeface="TH Sarabun New" panose="020B0500040200020003" pitchFamily="34" charset="-34"/>
-                <a:cs typeface="TH Sarabun New" panose="020B0500040200020003" pitchFamily="34" charset="-34"/>
-              </a:rPr>
-              <a:t> </a:t>
-            </a:r>
-            <a:r>
-              <a:rPr lang="th-TH" sz="4000" b="1" dirty="0">
-                <a:solidFill>
-                  <a:srgbClr val="002060"/>
-                </a:solidFill>
-                <a:latin typeface="TH Sarabun New" panose="020B0500040200020003" pitchFamily="34" charset="-34"/>
-                <a:cs typeface="TH Sarabun New" panose="020B0500040200020003" pitchFamily="34" charset="-34"/>
-              </a:rPr>
-              <a:t>เพื่อทำการค้นหาข้อมูลพนักงานที่ทำงานมากกว่า 3 ชั่วโมง</a:t>
-            </a:r>
           </a:p>
         </p:txBody>
       </p:sp>
@@ -8249,29 +8242,6 @@
           </a:p>
         </p:txBody>
       </p:sp>
-      <p:pic>
-        <p:nvPicPr>
-          <p:cNvPr id="5" name="รูปภาพ 4"/>
-          <p:cNvPicPr>
-            <a:picLocks noChangeAspect="1"/>
-          </p:cNvPicPr>
-          <p:nvPr/>
-        </p:nvPicPr>
-        <p:blipFill rotWithShape="1">
-          <a:blip r:embed="rId3"/>
-          <a:srcRect t="14868" r="72574" b="37216"/>
-          <a:stretch/>
-        </p:blipFill>
-        <p:spPr>
-          <a:xfrm>
-            <a:off x="1759439" y="554317"/>
-            <a:ext cx="5454629" cy="5358004"/>
-          </a:xfrm>
-          <a:prstGeom prst="rect">
-            <a:avLst/>
-          </a:prstGeom>
-        </p:spPr>
-      </p:pic>
       <p:cxnSp>
         <p:nvCxnSpPr>
           <p:cNvPr id="6" name="ตัวเชื่อมต่อโค้ง 5"/>
@@ -8279,9 +8249,9 @@
           <p:nvPr/>
         </p:nvCxnSpPr>
         <p:spPr>
-          <a:xfrm rot="10800000">
-            <a:off x="7675063" y="3034852"/>
-            <a:ext cx="1828801" cy="396935"/>
+          <a:xfrm rot="10800000" flipV="1">
+            <a:off x="9767169" y="3477491"/>
+            <a:ext cx="803851" cy="647023"/>
           </a:xfrm>
           <a:prstGeom prst="curvedConnector3">
             <a:avLst>
@@ -8318,7 +8288,7 @@
         </p:nvSpPr>
         <p:spPr>
           <a:xfrm>
-            <a:off x="9306173" y="2974586"/>
+            <a:off x="10169094" y="3110346"/>
             <a:ext cx="2424832" cy="914400"/>
           </a:xfrm>
           <a:prstGeom prst="rect">
@@ -8366,6 +8336,29 @@
           </a:p>
         </p:txBody>
       </p:sp>
+      <p:pic>
+        <p:nvPicPr>
+          <p:cNvPr id="2" name="รูปภาพ 1"/>
+          <p:cNvPicPr>
+            <a:picLocks noChangeAspect="1"/>
+          </p:cNvPicPr>
+          <p:nvPr/>
+        </p:nvPicPr>
+        <p:blipFill rotWithShape="1">
+          <a:blip r:embed="rId3"/>
+          <a:srcRect t="11837" r="30620" b="11649"/>
+          <a:stretch/>
+        </p:blipFill>
+        <p:spPr>
+          <a:xfrm>
+            <a:off x="674720" y="360219"/>
+            <a:ext cx="8870692" cy="5500254"/>
+          </a:xfrm>
+          <a:prstGeom prst="rect">
+            <a:avLst/>
+          </a:prstGeom>
+        </p:spPr>
+      </p:pic>
     </p:spTree>
     <p:extLst>
       <p:ext uri="{BB962C8B-B14F-4D97-AF65-F5344CB8AC3E}">
@@ -8547,7 +8540,7 @@
                 <a:latin typeface="TH Sarabun New" panose="020B0500040200020003" pitchFamily="34" charset="-34"/>
                 <a:cs typeface="TH Sarabun New" panose="020B0500040200020003" pitchFamily="34" charset="-34"/>
               </a:rPr>
-              <a:t>find_emp.php</a:t>
+              <a:t>emp.php</a:t>
             </a:r>
             <a:r>
               <a:rPr lang="en-US" sz="4000" b="1" dirty="0" smtClean="0">
@@ -8621,17 +8614,128 @@
                 <a:latin typeface="TH Sarabun New" panose="020B0500040200020003" pitchFamily="34" charset="-34"/>
                 <a:cs typeface="TH Sarabun New" panose="020B0500040200020003" pitchFamily="34" charset="-34"/>
               </a:rPr>
-              <a:t>สร้างแฟ้มชื่อว่า </a:t>
-            </a:r>
-            <a:r>
-              <a:rPr lang="en-US" sz="4000" b="1" dirty="0" err="1">
-                <a:solidFill>
-                  <a:srgbClr val="002060"/>
-                </a:solidFill>
-                <a:latin typeface="TH Sarabun New" panose="020B0500040200020003" pitchFamily="34" charset="-34"/>
-                <a:cs typeface="TH Sarabun New" panose="020B0500040200020003" pitchFamily="34" charset="-34"/>
-              </a:rPr>
-              <a:t>work_hours.php</a:t>
+              <a:t>สร้างแฟ้มชื่อ</a:t>
+            </a:r>
+            <a:r>
+              <a:rPr lang="th-TH" sz="4000" b="1" dirty="0" smtClean="0">
+                <a:solidFill>
+                  <a:srgbClr val="002060"/>
+                </a:solidFill>
+                <a:latin typeface="TH Sarabun New" panose="020B0500040200020003" pitchFamily="34" charset="-34"/>
+                <a:cs typeface="TH Sarabun New" panose="020B0500040200020003" pitchFamily="34" charset="-34"/>
+              </a:rPr>
+              <a:t>ว่า</a:t>
+            </a:r>
+            <a:r>
+              <a:rPr lang="en-US" sz="4000" b="1" dirty="0" smtClean="0">
+                <a:solidFill>
+                  <a:srgbClr val="002060"/>
+                </a:solidFill>
+                <a:latin typeface="TH Sarabun New" panose="020B0500040200020003" pitchFamily="34" charset="-34"/>
+                <a:cs typeface="TH Sarabun New" panose="020B0500040200020003" pitchFamily="34" charset="-34"/>
+              </a:rPr>
+              <a:t> </a:t>
+            </a:r>
+            <a:r>
+              <a:rPr lang="en-US" sz="4000" b="1" dirty="0" err="1" smtClean="0">
+                <a:solidFill>
+                  <a:srgbClr val="002060"/>
+                </a:solidFill>
+                <a:latin typeface="TH Sarabun New" panose="020B0500040200020003" pitchFamily="34" charset="-34"/>
+                <a:cs typeface="TH Sarabun New" panose="020B0500040200020003" pitchFamily="34" charset="-34"/>
+              </a:rPr>
+              <a:t>emp_job.php</a:t>
+            </a:r>
+            <a:r>
+              <a:rPr lang="en-US" sz="4000" b="1" dirty="0" smtClean="0">
+                <a:solidFill>
+                  <a:srgbClr val="002060"/>
+                </a:solidFill>
+                <a:latin typeface="TH Sarabun New" panose="020B0500040200020003" pitchFamily="34" charset="-34"/>
+                <a:cs typeface="TH Sarabun New" panose="020B0500040200020003" pitchFamily="34" charset="-34"/>
+              </a:rPr>
+              <a:t> </a:t>
+            </a:r>
+            <a:r>
+              <a:rPr lang="th-TH" sz="4000" b="1" dirty="0">
+                <a:solidFill>
+                  <a:srgbClr val="002060"/>
+                </a:solidFill>
+                <a:latin typeface="TH Sarabun New" panose="020B0500040200020003" pitchFamily="34" charset="-34"/>
+                <a:cs typeface="TH Sarabun New" panose="020B0500040200020003" pitchFamily="34" charset="-34"/>
+              </a:rPr>
+              <a:t>เพื่อทำการค้นหาข้อมูลพนักงานที่</a:t>
+            </a:r>
+            <a:r>
+              <a:rPr lang="th-TH" sz="4000" b="1" dirty="0" smtClean="0">
+                <a:solidFill>
+                  <a:srgbClr val="002060"/>
+                </a:solidFill>
+                <a:latin typeface="TH Sarabun New" panose="020B0500040200020003" pitchFamily="34" charset="-34"/>
+                <a:cs typeface="TH Sarabun New" panose="020B0500040200020003" pitchFamily="34" charset="-34"/>
+              </a:rPr>
+              <a:t>ทำงานเป็น </a:t>
+            </a:r>
+            <a:r>
+              <a:rPr lang="en-US" sz="4000" b="1" dirty="0" smtClean="0">
+                <a:solidFill>
+                  <a:srgbClr val="002060"/>
+                </a:solidFill>
+                <a:latin typeface="TH Sarabun New" panose="020B0500040200020003" pitchFamily="34" charset="-34"/>
+                <a:cs typeface="TH Sarabun New" panose="020B0500040200020003" pitchFamily="34" charset="-34"/>
+              </a:rPr>
+              <a:t>programmer</a:t>
+            </a:r>
+            <a:endParaRPr lang="th-TH" sz="4000" b="1" dirty="0">
+              <a:solidFill>
+                <a:srgbClr val="002060"/>
+              </a:solidFill>
+              <a:latin typeface="TH Sarabun New" panose="020B0500040200020003" pitchFamily="34" charset="-34"/>
+              <a:cs typeface="TH Sarabun New" panose="020B0500040200020003" pitchFamily="34" charset="-34"/>
+            </a:endParaRPr>
+          </a:p>
+        </p:txBody>
+      </p:sp>
+      <p:sp>
+        <p:nvSpPr>
+          <p:cNvPr id="2" name="สี่เหลี่ยมผืนผ้า 1"/>
+          <p:cNvSpPr/>
+          <p:nvPr/>
+        </p:nvSpPr>
+        <p:spPr>
+          <a:xfrm>
+            <a:off x="1452914" y="4834742"/>
+            <a:ext cx="8666579" cy="1323439"/>
+          </a:xfrm>
+          <a:prstGeom prst="rect">
+            <a:avLst/>
+          </a:prstGeom>
+        </p:spPr>
+        <p:txBody>
+          <a:bodyPr wrap="square">
+            <a:spAutoFit/>
+          </a:bodyPr>
+          <a:lstStyle/>
+          <a:p>
+            <a:r>
+              <a:rPr lang="en-US" sz="4000" b="1" dirty="0" smtClean="0">
+                <a:solidFill>
+                  <a:srgbClr val="002060"/>
+                </a:solidFill>
+                <a:latin typeface="TH Sarabun New" panose="020B0500040200020003" pitchFamily="34" charset="-34"/>
+                <a:cs typeface="TH Sarabun New" panose="020B0500040200020003" pitchFamily="34" charset="-34"/>
+              </a:rPr>
+              <a:t>3. </a:t>
+            </a:r>
+            <a:r>
+              <a:rPr lang="th-TH" sz="4000" b="1" dirty="0">
+                <a:solidFill>
+                  <a:srgbClr val="002060"/>
+                </a:solidFill>
+                <a:latin typeface="TH Sarabun New" panose="020B0500040200020003" pitchFamily="34" charset="-34"/>
+                <a:cs typeface="TH Sarabun New" panose="020B0500040200020003" pitchFamily="34" charset="-34"/>
+              </a:rPr>
+              <a:t>จงสร้างแฟ้มชื่อว่า</a:t>
             </a:r>
             <a:r>
               <a:rPr lang="en-US" sz="4000" b="1" dirty="0">
@@ -8644,14 +8748,24 @@
               <a:t> </a:t>
             </a:r>
             <a:r>
-              <a:rPr lang="th-TH" sz="4000" b="1" dirty="0">
-                <a:solidFill>
-                  <a:srgbClr val="002060"/>
-                </a:solidFill>
-                <a:latin typeface="TH Sarabun New" panose="020B0500040200020003" pitchFamily="34" charset="-34"/>
-                <a:cs typeface="TH Sarabun New" panose="020B0500040200020003" pitchFamily="34" charset="-34"/>
-              </a:rPr>
-              <a:t>เพื่อทำการค้นหาข้อมูลพนักงานที่</a:t>
+              <a:rPr lang="en-US" sz="4000" b="1" dirty="0" err="1" smtClean="0">
+                <a:solidFill>
+                  <a:srgbClr val="002060"/>
+                </a:solidFill>
+                <a:latin typeface="TH Sarabun New" panose="020B0500040200020003" pitchFamily="34" charset="-34"/>
+                <a:cs typeface="TH Sarabun New" panose="020B0500040200020003" pitchFamily="34" charset="-34"/>
+              </a:rPr>
+              <a:t>chg_hour.php</a:t>
+            </a:r>
+            <a:r>
+              <a:rPr lang="en-US" sz="4000" b="1" dirty="0" smtClean="0">
+                <a:solidFill>
+                  <a:srgbClr val="002060"/>
+                </a:solidFill>
+                <a:latin typeface="TH Sarabun New" panose="020B0500040200020003" pitchFamily="34" charset="-34"/>
+                <a:cs typeface="TH Sarabun New" panose="020B0500040200020003" pitchFamily="34" charset="-34"/>
+              </a:rPr>
+              <a:t> </a:t>
             </a:r>
             <a:r>
               <a:rPr lang="th-TH" sz="4000" b="1" dirty="0" smtClean="0">
@@ -8661,7 +8775,7 @@
                 <a:latin typeface="TH Sarabun New" panose="020B0500040200020003" pitchFamily="34" charset="-34"/>
                 <a:cs typeface="TH Sarabun New" panose="020B0500040200020003" pitchFamily="34" charset="-34"/>
               </a:rPr>
-              <a:t>ทำงานเป็น </a:t>
+              <a:t>เพื่อทำการค้นหาพนักงานที่มีรายได้ต่อชั่วโมงมากว่า </a:t>
             </a:r>
             <a:r>
               <a:rPr lang="en-US" sz="4000" b="1" dirty="0" smtClean="0">
@@ -8671,7 +8785,27 @@
                 <a:latin typeface="TH Sarabun New" panose="020B0500040200020003" pitchFamily="34" charset="-34"/>
                 <a:cs typeface="TH Sarabun New" panose="020B0500040200020003" pitchFamily="34" charset="-34"/>
               </a:rPr>
-              <a:t>programmer</a:t>
+              <a:t>400 </a:t>
+            </a:r>
+            <a:r>
+              <a:rPr lang="th-TH" sz="4000" b="1" dirty="0" smtClean="0">
+                <a:solidFill>
+                  <a:srgbClr val="002060"/>
+                </a:solidFill>
+                <a:latin typeface="TH Sarabun New" panose="020B0500040200020003" pitchFamily="34" charset="-34"/>
+                <a:cs typeface="TH Sarabun New" panose="020B0500040200020003" pitchFamily="34" charset="-34"/>
+              </a:rPr>
+              <a:t>บาท</a:t>
+            </a:r>
+            <a:r>
+              <a:rPr lang="en-US" sz="4000" b="1" dirty="0" smtClean="0">
+                <a:solidFill>
+                  <a:srgbClr val="002060"/>
+                </a:solidFill>
+                <a:latin typeface="TH Sarabun New" panose="020B0500040200020003" pitchFamily="34" charset="-34"/>
+                <a:cs typeface="TH Sarabun New" panose="020B0500040200020003" pitchFamily="34" charset="-34"/>
+              </a:rPr>
+              <a:t> </a:t>
             </a:r>
             <a:endParaRPr lang="th-TH" sz="4000" b="1" dirty="0">
               <a:solidFill>
@@ -8786,14 +8920,14 @@
               <a:t>PHP </a:t>
             </a:r>
             <a:r>
-              <a:rPr lang="en-US" sz="5400" b="1" dirty="0" err="1" smtClean="0">
-                <a:solidFill>
-                  <a:srgbClr val="002060"/>
-                </a:solidFill>
-                <a:latin typeface="TH Sarabun New" panose="020B0500040200020003" pitchFamily="34" charset="-34"/>
-                <a:cs typeface="TH Sarabun New" panose="020B0500040200020003" pitchFamily="34" charset="-34"/>
-              </a:rPr>
-              <a:t>colde</a:t>
+              <a:rPr lang="en-US" sz="5400" b="1" dirty="0" smtClean="0">
+                <a:solidFill>
+                  <a:srgbClr val="002060"/>
+                </a:solidFill>
+                <a:latin typeface="TH Sarabun New" panose="020B0500040200020003" pitchFamily="34" charset="-34"/>
+                <a:cs typeface="TH Sarabun New" panose="020B0500040200020003" pitchFamily="34" charset="-34"/>
+              </a:rPr>
+              <a:t>code</a:t>
             </a:r>
             <a:endParaRPr lang="th-TH" sz="5400" b="1" dirty="0">
               <a:solidFill>
@@ -8919,16 +9053,6 @@
               <a:t>PHP (PHP </a:t>
             </a:r>
             <a:r>
-              <a:rPr lang="en-US" sz="4000" b="1" dirty="0" err="1" smtClean="0">
-                <a:solidFill>
-                  <a:srgbClr val="002060"/>
-                </a:solidFill>
-                <a:latin typeface="TH Sarabun New" panose="020B0500040200020003" pitchFamily="34" charset="-34"/>
-                <a:cs typeface="TH Sarabun New" panose="020B0500040200020003" pitchFamily="34" charset="-34"/>
-              </a:rPr>
-              <a:t>colde</a:t>
-            </a:r>
-            <a:r>
               <a:rPr lang="en-US" sz="4000" b="1" dirty="0" smtClean="0">
                 <a:solidFill>
                   <a:srgbClr val="002060"/>
@@ -8936,7 +9060,17 @@
                 <a:latin typeface="TH Sarabun New" panose="020B0500040200020003" pitchFamily="34" charset="-34"/>
                 <a:cs typeface="TH Sarabun New" panose="020B0500040200020003" pitchFamily="34" charset="-34"/>
               </a:rPr>
-              <a:t> syntax)</a:t>
+              <a:t>code </a:t>
+            </a:r>
+            <a:r>
+              <a:rPr lang="en-US" sz="4000" b="1" dirty="0" smtClean="0">
+                <a:solidFill>
+                  <a:srgbClr val="002060"/>
+                </a:solidFill>
+                <a:latin typeface="TH Sarabun New" panose="020B0500040200020003" pitchFamily="34" charset="-34"/>
+                <a:cs typeface="TH Sarabun New" panose="020B0500040200020003" pitchFamily="34" charset="-34"/>
+              </a:rPr>
+              <a:t>syntax)</a:t>
             </a:r>
             <a:r>
               <a:rPr lang="th-TH" sz="4000" b="1" dirty="0" smtClean="0">
